--- a/Administration/Presentation-Expert.pptx
+++ b/Administration/Presentation-Expert.pptx
@@ -12,7 +12,7 @@
     <p:sldId id="257" r:id="rId3"/>
     <p:sldId id="258" r:id="rId4"/>
     <p:sldId id="259" r:id="rId5"/>
-    <p:sldId id="260" r:id="rId6"/>
+    <p:sldId id="265" r:id="rId6"/>
     <p:sldId id="261" r:id="rId7"/>
     <p:sldId id="263" r:id="rId8"/>
     <p:sldId id="262" r:id="rId9"/>
@@ -8771,6 +8771,13 @@
   <p:clrMapOvr>
     <a:masterClrMapping/>
   </p:clrMapOvr>
+  <p:timing>
+    <p:tnLst>
+      <p:par>
+        <p:cTn id="1" dur="indefinite" restart="never" nodeType="tmRoot"/>
+      </p:par>
+    </p:tnLst>
+  </p:timing>
 </p:sld>
 </file>
 
@@ -8935,8 +8942,24 @@
           <a:lstStyle/>
           <a:p>
             <a:r>
-              <a:rPr lang="en-US" smtClean="0"/>
-              <a:t>Overclouds by Romain Claret is licensed under a Creative Commons Attribution-NonCommercial-ShareAlike 4.0 International License.</a:t>
+              <a:rPr lang="en-US" dirty="0" smtClean="0"/>
+              <a:t>Overclouds by Romain Claret is licensed under a Creative Commons Attribution-</a:t>
+            </a:r>
+            <a:r>
+              <a:rPr lang="en-US" dirty="0" err="1" smtClean="0"/>
+              <a:t>NonCommercial</a:t>
+            </a:r>
+            <a:r>
+              <a:rPr lang="en-US" dirty="0" smtClean="0"/>
+              <a:t>-</a:t>
+            </a:r>
+            <a:r>
+              <a:rPr lang="en-US" dirty="0" err="1" smtClean="0"/>
+              <a:t>ShareAlike</a:t>
+            </a:r>
+            <a:r>
+              <a:rPr lang="en-US" dirty="0" smtClean="0"/>
+              <a:t> 4.0 International License.</a:t>
             </a:r>
             <a:endParaRPr lang="en-US" dirty="0"/>
           </a:p>
@@ -8976,6 +8999,13 @@
   <p:clrMapOvr>
     <a:masterClrMapping/>
   </p:clrMapOvr>
+  <p:timing>
+    <p:tnLst>
+      <p:par>
+        <p:cTn id="1" dur="indefinite" restart="never" nodeType="tmRoot"/>
+      </p:par>
+    </p:tnLst>
+  </p:timing>
 </p:sld>
 </file>
 
@@ -9169,6 +9199,13 @@
   <p:clrMapOvr>
     <a:masterClrMapping/>
   </p:clrMapOvr>
+  <p:timing>
+    <p:tnLst>
+      <p:par>
+        <p:cTn id="1" dur="indefinite" restart="never" nodeType="tmRoot"/>
+      </p:par>
+    </p:tnLst>
+  </p:timing>
 </p:sld>
 </file>
 
@@ -9339,6 +9376,13 @@
   <p:clrMapOvr>
     <a:masterClrMapping/>
   </p:clrMapOvr>
+  <p:timing>
+    <p:tnLst>
+      <p:par>
+        <p:cTn id="1" dur="indefinite" restart="never" nodeType="tmRoot"/>
+      </p:par>
+    </p:tnLst>
+  </p:timing>
 </p:sld>
 </file>
 
@@ -9518,13 +9562,20 @@
     </p:spTree>
     <p:extLst>
       <p:ext uri="{BB962C8B-B14F-4D97-AF65-F5344CB8AC3E}">
-        <p14:creationId xmlns:p14="http://schemas.microsoft.com/office/powerpoint/2010/main" val="1832753250"/>
+        <p14:creationId xmlns:p14="http://schemas.microsoft.com/office/powerpoint/2010/main" val="170225602"/>
       </p:ext>
     </p:extLst>
   </p:cSld>
   <p:clrMapOvr>
     <a:masterClrMapping/>
   </p:clrMapOvr>
+  <p:timing>
+    <p:tnLst>
+      <p:par>
+        <p:cTn id="1" dur="indefinite" restart="never" nodeType="tmRoot"/>
+      </p:par>
+    </p:tnLst>
+  </p:timing>
 </p:sld>
 </file>
 
@@ -9762,6 +9813,13 @@
   <p:clrMapOvr>
     <a:masterClrMapping/>
   </p:clrMapOvr>
+  <p:timing>
+    <p:tnLst>
+      <p:par>
+        <p:cTn id="1" dur="indefinite" restart="never" nodeType="tmRoot"/>
+      </p:par>
+    </p:tnLst>
+  </p:timing>
 </p:sld>
 </file>
 
@@ -10015,6 +10073,13 @@
   <p:clrMapOvr>
     <a:masterClrMapping/>
   </p:clrMapOvr>
+  <p:timing>
+    <p:tnLst>
+      <p:par>
+        <p:cTn id="1" dur="indefinite" restart="never" nodeType="tmRoot"/>
+      </p:par>
+    </p:tnLst>
+  </p:timing>
 </p:sld>
 </file>
 
@@ -10182,6 +10247,13 @@
   <p:clrMapOvr>
     <a:masterClrMapping/>
   </p:clrMapOvr>
+  <p:timing>
+    <p:tnLst>
+      <p:par>
+        <p:cTn id="1" dur="indefinite" restart="never" nodeType="tmRoot"/>
+      </p:par>
+    </p:tnLst>
+  </p:timing>
 </p:sld>
 </file>
 
